--- a/Capstone 3 Final Presentation_Non_Technical.pptx
+++ b/Capstone 3 Final Presentation_Non_Technical.pptx
@@ -5,21 +5,20 @@
     <p:sldMasterId id="2147483756" r:id="rId1"/>
   </p:sldMasterIdLst>
   <p:notesMasterIdLst>
-    <p:notesMasterId r:id="rId14"/>
+    <p:notesMasterId r:id="rId13"/>
   </p:notesMasterIdLst>
   <p:sldIdLst>
     <p:sldId id="256" r:id="rId2"/>
     <p:sldId id="268" r:id="rId3"/>
     <p:sldId id="288" r:id="rId4"/>
     <p:sldId id="267" r:id="rId5"/>
-    <p:sldId id="289" r:id="rId6"/>
-    <p:sldId id="294" r:id="rId7"/>
-    <p:sldId id="290" r:id="rId8"/>
-    <p:sldId id="291" r:id="rId9"/>
-    <p:sldId id="271" r:id="rId10"/>
-    <p:sldId id="292" r:id="rId11"/>
-    <p:sldId id="293" r:id="rId12"/>
-    <p:sldId id="269" r:id="rId13"/>
+    <p:sldId id="294" r:id="rId6"/>
+    <p:sldId id="290" r:id="rId7"/>
+    <p:sldId id="291" r:id="rId8"/>
+    <p:sldId id="271" r:id="rId9"/>
+    <p:sldId id="292" r:id="rId10"/>
+    <p:sldId id="293" r:id="rId11"/>
+    <p:sldId id="269" r:id="rId12"/>
   </p:sldIdLst>
   <p:sldSz cx="12192000" cy="6858000"/>
   <p:notesSz cx="6858000" cy="9144000"/>
@@ -141,6 +140,7 @@
 <file path=ppt/revisionInfo.xml><?xml version="1.0" encoding="utf-8"?>
 <p1510:revInfo xmlns:a="http://schemas.openxmlformats.org/drawingml/2006/main" xmlns:r="http://schemas.openxmlformats.org/officeDocument/2006/relationships" xmlns:p1510="http://schemas.microsoft.com/office/powerpoint/2015/10/main">
   <p1510:revLst>
+    <p1510:client id="{32DEA09A-8A15-4474-8F94-A0DFEEE84D0B}" v="1" dt="2024-07-22T02:06:13.623"/>
     <p1510:client id="{592F0127-9D14-46BB-94F3-163C23DBEEBC}" v="23" dt="2024-07-21T22:34:47.479"/>
   </p1510:revLst>
 </p1510:revInfo>
@@ -4004,6 +4004,99 @@
             <ac:picMk id="6" creationId="{1EB85B37-C4AB-C130-13A9-C40365B12BF3}"/>
           </ac:picMkLst>
         </pc:picChg>
+      </pc:sldChg>
+    </pc:docChg>
+  </pc:docChgLst>
+  <pc:docChgLst>
+    <pc:chgData name="Onkar Singh" userId="7142d4e8-959c-43eb-8636-e3ca76370d1f" providerId="ADAL" clId="{32DEA09A-8A15-4474-8F94-A0DFEEE84D0B}"/>
+    <pc:docChg chg="custSel delSld modSld sldOrd">
+      <pc:chgData name="Onkar Singh" userId="7142d4e8-959c-43eb-8636-e3ca76370d1f" providerId="ADAL" clId="{32DEA09A-8A15-4474-8F94-A0DFEEE84D0B}" dt="2024-07-22T02:17:16.844" v="119" actId="47"/>
+      <pc:docMkLst>
+        <pc:docMk/>
+      </pc:docMkLst>
+      <pc:sldChg chg="modSp mod">
+        <pc:chgData name="Onkar Singh" userId="7142d4e8-959c-43eb-8636-e3ca76370d1f" providerId="ADAL" clId="{32DEA09A-8A15-4474-8F94-A0DFEEE84D0B}" dt="2024-07-22T02:11:09.840" v="118" actId="1076"/>
+        <pc:sldMkLst>
+          <pc:docMk/>
+          <pc:sldMk cId="2410340259" sldId="271"/>
+        </pc:sldMkLst>
+        <pc:spChg chg="mod">
+          <ac:chgData name="Onkar Singh" userId="7142d4e8-959c-43eb-8636-e3ca76370d1f" providerId="ADAL" clId="{32DEA09A-8A15-4474-8F94-A0DFEEE84D0B}" dt="2024-07-22T02:10:55.335" v="115" actId="255"/>
+          <ac:spMkLst>
+            <pc:docMk/>
+            <pc:sldMk cId="2410340259" sldId="271"/>
+            <ac:spMk id="5" creationId="{E351A0F5-5A6D-3DBA-0015-9DA0E7893AA4}"/>
+          </ac:spMkLst>
+        </pc:spChg>
+        <pc:picChg chg="mod">
+          <ac:chgData name="Onkar Singh" userId="7142d4e8-959c-43eb-8636-e3ca76370d1f" providerId="ADAL" clId="{32DEA09A-8A15-4474-8F94-A0DFEEE84D0B}" dt="2024-07-22T02:11:09.840" v="118" actId="1076"/>
+          <ac:picMkLst>
+            <pc:docMk/>
+            <pc:sldMk cId="2410340259" sldId="271"/>
+            <ac:picMk id="6" creationId="{88AB5DE3-E05A-FAE0-730E-82CEC40B3209}"/>
+          </ac:picMkLst>
+        </pc:picChg>
+      </pc:sldChg>
+      <pc:sldChg chg="modSp del mod ord modNotesTx">
+        <pc:chgData name="Onkar Singh" userId="7142d4e8-959c-43eb-8636-e3ca76370d1f" providerId="ADAL" clId="{32DEA09A-8A15-4474-8F94-A0DFEEE84D0B}" dt="2024-07-22T02:17:16.844" v="119" actId="47"/>
+        <pc:sldMkLst>
+          <pc:docMk/>
+          <pc:sldMk cId="2767487424" sldId="289"/>
+        </pc:sldMkLst>
+        <pc:spChg chg="mod">
+          <ac:chgData name="Onkar Singh" userId="7142d4e8-959c-43eb-8636-e3ca76370d1f" providerId="ADAL" clId="{32DEA09A-8A15-4474-8F94-A0DFEEE84D0B}" dt="2024-07-22T01:48:35.770" v="87" actId="1076"/>
+          <ac:spMkLst>
+            <pc:docMk/>
+            <pc:sldMk cId="2767487424" sldId="289"/>
+            <ac:spMk id="2" creationId="{53857D42-F061-4EA3-A563-C6A3235CF515}"/>
+          </ac:spMkLst>
+        </pc:spChg>
+      </pc:sldChg>
+      <pc:sldChg chg="addSp modSp mod">
+        <pc:chgData name="Onkar Singh" userId="7142d4e8-959c-43eb-8636-e3ca76370d1f" providerId="ADAL" clId="{32DEA09A-8A15-4474-8F94-A0DFEEE84D0B}" dt="2024-07-22T02:08:23.293" v="112" actId="1076"/>
+        <pc:sldMkLst>
+          <pc:docMk/>
+          <pc:sldMk cId="2865639312" sldId="290"/>
+        </pc:sldMkLst>
+        <pc:picChg chg="add mod">
+          <ac:chgData name="Onkar Singh" userId="7142d4e8-959c-43eb-8636-e3ca76370d1f" providerId="ADAL" clId="{32DEA09A-8A15-4474-8F94-A0DFEEE84D0B}" dt="2024-07-22T02:06:25.635" v="104" actId="1076"/>
+          <ac:picMkLst>
+            <pc:docMk/>
+            <pc:sldMk cId="2865639312" sldId="290"/>
+            <ac:picMk id="3" creationId="{0B15949F-05EE-3943-659C-70A40D13DF6D}"/>
+          </ac:picMkLst>
+        </pc:picChg>
+        <pc:picChg chg="add mod">
+          <ac:chgData name="Onkar Singh" userId="7142d4e8-959c-43eb-8636-e3ca76370d1f" providerId="ADAL" clId="{32DEA09A-8A15-4474-8F94-A0DFEEE84D0B}" dt="2024-07-22T02:06:28.517" v="105" actId="1076"/>
+          <ac:picMkLst>
+            <pc:docMk/>
+            <pc:sldMk cId="2865639312" sldId="290"/>
+            <ac:picMk id="5" creationId="{3FF3FA01-AB8B-6E93-0F60-CECBCB54F298}"/>
+          </ac:picMkLst>
+        </pc:picChg>
+        <pc:picChg chg="mod">
+          <ac:chgData name="Onkar Singh" userId="7142d4e8-959c-43eb-8636-e3ca76370d1f" providerId="ADAL" clId="{32DEA09A-8A15-4474-8F94-A0DFEEE84D0B}" dt="2024-07-22T02:08:23.293" v="112" actId="1076"/>
+          <ac:picMkLst>
+            <pc:docMk/>
+            <pc:sldMk cId="2865639312" sldId="290"/>
+            <ac:picMk id="18" creationId="{0FBBD8E7-2028-0EB9-FC9C-5A36C34ACA35}"/>
+          </ac:picMkLst>
+        </pc:picChg>
+      </pc:sldChg>
+      <pc:sldChg chg="modSp mod">
+        <pc:chgData name="Onkar Singh" userId="7142d4e8-959c-43eb-8636-e3ca76370d1f" providerId="ADAL" clId="{32DEA09A-8A15-4474-8F94-A0DFEEE84D0B}" dt="2024-07-22T01:48:55.090" v="98" actId="255"/>
+        <pc:sldMkLst>
+          <pc:docMk/>
+          <pc:sldMk cId="560255870" sldId="294"/>
+        </pc:sldMkLst>
+        <pc:spChg chg="mod">
+          <ac:chgData name="Onkar Singh" userId="7142d4e8-959c-43eb-8636-e3ca76370d1f" providerId="ADAL" clId="{32DEA09A-8A15-4474-8F94-A0DFEEE84D0B}" dt="2024-07-22T01:48:55.090" v="98" actId="255"/>
+          <ac:spMkLst>
+            <pc:docMk/>
+            <pc:sldMk cId="560255870" sldId="294"/>
+            <ac:spMk id="3" creationId="{B79ED6EF-5F14-CC9E-483D-B9AE2F14848B}"/>
+          </ac:spMkLst>
+        </pc:spChg>
       </pc:sldChg>
     </pc:docChg>
   </pc:docChgLst>
@@ -4658,7 +4751,13 @@
           <a:p>
             <a:r>
               <a:rPr lang="en-US" dirty="0"/>
-              <a:t>Here we can see some misclassified images.</a:t>
+              <a:t>The goal of this project is to catch potential osteoarthritis risk cases early on. </a:t>
+            </a:r>
+          </a:p>
+          <a:p>
+            <a:r>
+              <a:rPr lang="en-US" dirty="0"/>
+              <a:t>One of the scary components of arthritis is that it is not reversible.</a:t>
             </a:r>
           </a:p>
           <a:p>
@@ -4667,13 +4766,13 @@
           <a:p>
             <a:r>
               <a:rPr lang="en-US" dirty="0"/>
-              <a:t>The model performance can be improved by adding more images, especially as all images are knee x-ray with small differences.</a:t>
+              <a:t>In extreme cases surgery might be required to maintain or slow down the issue.</a:t>
             </a:r>
           </a:p>
           <a:p>
             <a:r>
               <a:rPr lang="en-US" dirty="0"/>
-              <a:t>Around 4800 images is not a big number to train model for this purpose.</a:t>
+              <a:t>However most general and often best remedy is exercise followed by diet.</a:t>
             </a:r>
           </a:p>
           <a:p>
@@ -4682,16 +4781,7 @@
           <a:p>
             <a:r>
               <a:rPr lang="en-US" dirty="0"/>
-              <a:t>Another consideration would be to group healthy and low-risk images so that we can focus on creating alert for high-risk cases.</a:t>
-            </a:r>
-          </a:p>
-          <a:p>
-            <a:endParaRPr lang="en-US" dirty="0"/>
-          </a:p>
-          <a:p>
-            <a:r>
-              <a:rPr lang="en-US" dirty="0"/>
-              <a:t> Finally, as low-risk is itself a range it will be interesting to see if they are made of clusters of images that can be grouped into two subsequent categories. </a:t>
+              <a:t>Looking up exercises to do at home and foods to avoid can significantly slow down the decay process.</a:t>
             </a:r>
           </a:p>
         </p:txBody>
@@ -4722,7 +4812,7 @@
     </p:spTree>
     <p:extLst>
       <p:ext uri="{BB962C8B-B14F-4D97-AF65-F5344CB8AC3E}">
-        <p14:creationId xmlns:p14="http://schemas.microsoft.com/office/powerpoint/2010/main" val="3786106949"/>
+        <p14:creationId xmlns:p14="http://schemas.microsoft.com/office/powerpoint/2010/main" val="1068895738"/>
       </p:ext>
     </p:extLst>
   </p:cSld>
@@ -4778,37 +4868,7 @@
           <a:p>
             <a:r>
               <a:rPr lang="en-US" dirty="0"/>
-              <a:t>The goal of this project is to catch potential osteoarthritis risk cases early on. </a:t>
-            </a:r>
-          </a:p>
-          <a:p>
-            <a:r>
-              <a:rPr lang="en-US" dirty="0"/>
-              <a:t>One of the scary components of arthritis is that it is not reversible.</a:t>
-            </a:r>
-          </a:p>
-          <a:p>
-            <a:endParaRPr lang="en-US" dirty="0"/>
-          </a:p>
-          <a:p>
-            <a:r>
-              <a:rPr lang="en-US" dirty="0"/>
-              <a:t>In extreme cases surgery might be required to maintain or slow down the issue.</a:t>
-            </a:r>
-          </a:p>
-          <a:p>
-            <a:r>
-              <a:rPr lang="en-US" dirty="0"/>
-              <a:t>However most general and often best remedy is exercise followed by diet.</a:t>
-            </a:r>
-          </a:p>
-          <a:p>
-            <a:endParaRPr lang="en-US" dirty="0"/>
-          </a:p>
-          <a:p>
-            <a:r>
-              <a:rPr lang="en-US" dirty="0"/>
-              <a:t>Looking up exercises to do at home and foods to avoid can significantly slow down the decay process.</a:t>
+              <a:t>Thank you! For your patience and time, Please let me know if I can address any specific questions or provide further information. Thank you!</a:t>
             </a:r>
           </a:p>
         </p:txBody>
@@ -4831,93 +4891,6 @@
             <a:fld id="{CCA7C82C-9402-4262-AF53-588A0466EE71}" type="slidenum">
               <a:rPr lang="en-US" smtClean="0"/>
               <a:t>11</a:t>
-            </a:fld>
-            <a:endParaRPr lang="en-US"/>
-          </a:p>
-        </p:txBody>
-      </p:sp>
-    </p:spTree>
-    <p:extLst>
-      <p:ext uri="{BB962C8B-B14F-4D97-AF65-F5344CB8AC3E}">
-        <p14:creationId xmlns:p14="http://schemas.microsoft.com/office/powerpoint/2010/main" val="1068895738"/>
-      </p:ext>
-    </p:extLst>
-  </p:cSld>
-  <p:clrMapOvr>
-    <a:masterClrMapping/>
-  </p:clrMapOvr>
-</p:notes>
-</file>
-
-<file path=ppt/notesSlides/notesSlide12.xml><?xml version="1.0" encoding="utf-8"?>
-<p:notes xmlns:a="http://schemas.openxmlformats.org/drawingml/2006/main" xmlns:r="http://schemas.openxmlformats.org/officeDocument/2006/relationships" xmlns:p="http://schemas.openxmlformats.org/presentationml/2006/main">
-  <p:cSld>
-    <p:spTree>
-      <p:nvGrpSpPr>
-        <p:cNvPr id="1" name=""/>
-        <p:cNvGrpSpPr/>
-        <p:nvPr/>
-      </p:nvGrpSpPr>
-      <p:grpSpPr>
-        <a:xfrm>
-          <a:off x="0" y="0"/>
-          <a:ext cx="0" cy="0"/>
-          <a:chOff x="0" y="0"/>
-          <a:chExt cx="0" cy="0"/>
-        </a:xfrm>
-      </p:grpSpPr>
-      <p:sp>
-        <p:nvSpPr>
-          <p:cNvPr id="2" name="Slide Image Placeholder 1"/>
-          <p:cNvSpPr>
-            <a:spLocks noGrp="1" noRot="1" noChangeAspect="1"/>
-          </p:cNvSpPr>
-          <p:nvPr>
-            <p:ph type="sldImg"/>
-          </p:nvPr>
-        </p:nvSpPr>
-        <p:spPr/>
-      </p:sp>
-      <p:sp>
-        <p:nvSpPr>
-          <p:cNvPr id="3" name="Notes Placeholder 2"/>
-          <p:cNvSpPr>
-            <a:spLocks noGrp="1"/>
-          </p:cNvSpPr>
-          <p:nvPr>
-            <p:ph type="body" idx="1"/>
-          </p:nvPr>
-        </p:nvSpPr>
-        <p:spPr/>
-        <p:txBody>
-          <a:bodyPr/>
-          <a:lstStyle/>
-          <a:p>
-            <a:r>
-              <a:rPr lang="en-US" dirty="0"/>
-              <a:t>Thank you! For your patience and time, Please let me know if I can address any specific questions or provide further information. Thank you!</a:t>
-            </a:r>
-          </a:p>
-        </p:txBody>
-      </p:sp>
-      <p:sp>
-        <p:nvSpPr>
-          <p:cNvPr id="4" name="Slide Number Placeholder 3"/>
-          <p:cNvSpPr>
-            <a:spLocks noGrp="1"/>
-          </p:cNvSpPr>
-          <p:nvPr>
-            <p:ph type="sldNum" sz="quarter" idx="5"/>
-          </p:nvPr>
-        </p:nvSpPr>
-        <p:spPr/>
-        <p:txBody>
-          <a:bodyPr/>
-          <a:lstStyle/>
-          <a:p>
-            <a:fld id="{CCA7C82C-9402-4262-AF53-588A0466EE71}" type="slidenum">
-              <a:rPr lang="en-US" smtClean="0"/>
-              <a:t>12</a:t>
             </a:fld>
             <a:endParaRPr lang="en-US"/>
           </a:p>
@@ -5393,40 +5366,15 @@
           <a:bodyPr/>
           <a:lstStyle/>
           <a:p>
-            <a:pPr marL="171450" indent="-171450">
-              <a:buFontTx/>
-              <a:buChar char="-"/>
-            </a:pPr>
             <a:r>
               <a:rPr lang="en-US" dirty="0"/>
-              <a:t>Not only images came divided into 3 sets</a:t>
-            </a:r>
-          </a:p>
-          <a:p>
-            <a:pPr marL="171450" indent="-171450">
-              <a:buFontTx/>
-              <a:buChar char="-"/>
-            </a:pPr>
+              <a:t>Here we explored a collection of sample images across all labels,</a:t>
+            </a:r>
+          </a:p>
+          <a:p>
             <a:r>
               <a:rPr lang="en-US" dirty="0"/>
-              <a:t>They also had labels indicating them as healthy, low-risk or high-risk</a:t>
-            </a:r>
-          </a:p>
-          <a:p>
-            <a:pPr marL="171450" indent="-171450">
-              <a:buFontTx/>
-              <a:buChar char="-"/>
-            </a:pPr>
-            <a:endParaRPr lang="en-US" dirty="0"/>
-          </a:p>
-          <a:p>
-            <a:pPr marL="171450" indent="-171450">
-              <a:buFontTx/>
-              <a:buChar char="-"/>
-            </a:pPr>
-            <a:r>
-              <a:rPr lang="en-US" dirty="0"/>
-              <a:t>All images were in same size of 224x224 pixels</a:t>
+              <a:t>If you look at the image at bottom left in red box, this is a high-risk or severe image. Due to loss of the tissue, gap between bones is much lower than a healthy x-ray.</a:t>
             </a:r>
           </a:p>
         </p:txBody>
@@ -5457,7 +5405,7 @@
     </p:spTree>
     <p:extLst>
       <p:ext uri="{BB962C8B-B14F-4D97-AF65-F5344CB8AC3E}">
-        <p14:creationId xmlns:p14="http://schemas.microsoft.com/office/powerpoint/2010/main" val="4213279271"/>
+        <p14:creationId xmlns:p14="http://schemas.microsoft.com/office/powerpoint/2010/main" val="2312488724"/>
       </p:ext>
     </p:extLst>
   </p:cSld>
@@ -5513,13 +5461,31 @@
           <a:p>
             <a:r>
               <a:rPr lang="en-US" dirty="0"/>
-              <a:t>Here we explored a collection of sample images across all labels,</a:t>
+              <a:t>Scale the images to have color values between 0 and 1 this allows model to converge faster, it also improves performance of models and make them more stable</a:t>
             </a:r>
           </a:p>
           <a:p>
             <a:r>
               <a:rPr lang="en-US" dirty="0"/>
-              <a:t>If you look at the image at bottom left in red box, this is a high-risk or severe image. Due to loss of the tissue, gap between bones is much lower than a healthy x-ray.</a:t>
+              <a:t>(best path to peak accuracy)</a:t>
+            </a:r>
+          </a:p>
+          <a:p>
+            <a:endParaRPr lang="en-US" dirty="0"/>
+          </a:p>
+          <a:p>
+            <a:r>
+              <a:rPr lang="en-US" dirty="0"/>
+              <a:t>Generators batch size of 32 to load images while modeling</a:t>
+            </a:r>
+          </a:p>
+          <a:p>
+            <a:endParaRPr lang="en-US" dirty="0"/>
+          </a:p>
+          <a:p>
+            <a:r>
+              <a:rPr lang="en-US" dirty="0"/>
+              <a:t>And finally, we used class weight to tell model to pay more attention to classes with lower images, to have a more balanced training.</a:t>
             </a:r>
           </a:p>
         </p:txBody>
@@ -5550,7 +5516,7 @@
     </p:spTree>
     <p:extLst>
       <p:ext uri="{BB962C8B-B14F-4D97-AF65-F5344CB8AC3E}">
-        <p14:creationId xmlns:p14="http://schemas.microsoft.com/office/powerpoint/2010/main" val="2312488724"/>
+        <p14:creationId xmlns:p14="http://schemas.microsoft.com/office/powerpoint/2010/main" val="2426691075"/>
       </p:ext>
     </p:extLst>
   </p:cSld>
@@ -5606,13 +5572,13 @@
           <a:p>
             <a:r>
               <a:rPr lang="en-US" dirty="0"/>
-              <a:t>Scale the images to have color values between 0 and 1 this allows model to converge faster, it also improves performance of models and make them more stable</a:t>
+              <a:t>When to comes to model evaluation, we tested two models.</a:t>
             </a:r>
           </a:p>
           <a:p>
             <a:r>
               <a:rPr lang="en-US" dirty="0"/>
-              <a:t>(best path to peak accuracy)</a:t>
+              <a:t>A Convoluted Neural Network (CNN) model built up from scratch layer by layer, and a pretrained model from Keras library.</a:t>
             </a:r>
           </a:p>
           <a:p>
@@ -5621,16 +5587,7 @@
           <a:p>
             <a:r>
               <a:rPr lang="en-US" dirty="0"/>
-              <a:t>Generators batch size of 32 to load images while modeling</a:t>
-            </a:r>
-          </a:p>
-          <a:p>
-            <a:endParaRPr lang="en-US" dirty="0"/>
-          </a:p>
-          <a:p>
-            <a:r>
-              <a:rPr lang="en-US" dirty="0"/>
-              <a:t>And finally, we used class weight to tell model to pay more attention to classes with lower images, to have a more balanced training.</a:t>
+              <a:t>Keras library has a range of models, we used DenseNet model, one of its advantages is it is slower to discard information or features, while the drawback is that it might be more prone to overfit which is learning training data very closely and not being able to generalize well.</a:t>
             </a:r>
           </a:p>
         </p:txBody>
@@ -5661,7 +5618,7 @@
     </p:spTree>
     <p:extLst>
       <p:ext uri="{BB962C8B-B14F-4D97-AF65-F5344CB8AC3E}">
-        <p14:creationId xmlns:p14="http://schemas.microsoft.com/office/powerpoint/2010/main" val="2426691075"/>
+        <p14:creationId xmlns:p14="http://schemas.microsoft.com/office/powerpoint/2010/main" val="888184639"/>
       </p:ext>
     </p:extLst>
   </p:cSld>
@@ -5715,25 +5672,205 @@
           <a:bodyPr/>
           <a:lstStyle/>
           <a:p>
+            <a:pPr marL="0" marR="0" lvl="0" indent="0" algn="l" defTabSz="914400" rtl="0" eaLnBrk="1" fontAlgn="auto" latinLnBrk="0" hangingPunct="1">
+              <a:lnSpc>
+                <a:spcPct val="100000"/>
+              </a:lnSpc>
+              <a:spcBef>
+                <a:spcPts val="0"/>
+              </a:spcBef>
+              <a:spcAft>
+                <a:spcPts val="0"/>
+              </a:spcAft>
+              <a:buClrTx/>
+              <a:buSzTx/>
+              <a:buFontTx/>
+              <a:buNone/>
+              <a:tabLst/>
+              <a:defRPr/>
+            </a:pPr>
             <a:r>
               <a:rPr lang="en-US" dirty="0"/>
-              <a:t>When to comes to model evaluation, we tested two models.</a:t>
-            </a:r>
-          </a:p>
-          <a:p>
+              <a:t>Here we can see how the selected model performed on new our test data </a:t>
+            </a:r>
+          </a:p>
+          <a:p>
+            <a:pPr marL="0" marR="0" lvl="0" indent="0" algn="l" defTabSz="914400" rtl="0" eaLnBrk="1" fontAlgn="auto" latinLnBrk="0" hangingPunct="1">
+              <a:lnSpc>
+                <a:spcPct val="100000"/>
+              </a:lnSpc>
+              <a:spcBef>
+                <a:spcPts val="0"/>
+              </a:spcBef>
+              <a:spcAft>
+                <a:spcPts val="0"/>
+              </a:spcAft>
+              <a:buClrTx/>
+              <a:buSzTx/>
+              <a:buFontTx/>
+              <a:buNone/>
+              <a:tabLst/>
+              <a:defRPr/>
+            </a:pPr>
+            <a:endParaRPr lang="en-US" dirty="0"/>
+          </a:p>
+          <a:p>
+            <a:pPr marL="0" marR="0" lvl="0" indent="0" algn="l" defTabSz="914400" rtl="0" eaLnBrk="1" fontAlgn="auto" latinLnBrk="0" hangingPunct="1">
+              <a:lnSpc>
+                <a:spcPct val="100000"/>
+              </a:lnSpc>
+              <a:spcBef>
+                <a:spcPts val="0"/>
+              </a:spcBef>
+              <a:spcAft>
+                <a:spcPts val="0"/>
+              </a:spcAft>
+              <a:buClrTx/>
+              <a:buSzTx/>
+              <a:buFontTx/>
+              <a:buNone/>
+              <a:tabLst/>
+              <a:defRPr/>
+            </a:pPr>
             <a:r>
               <a:rPr lang="en-US" dirty="0"/>
-              <a:t>A Convoluted Neural Network (CNN) model built up from scratch layer by layer, and a pretrained model from Keras library.</a:t>
-            </a:r>
-          </a:p>
-          <a:p>
+              <a:t>The model did a very good job on high risk cases, which makes sense as visually they are the most distinct group.</a:t>
+            </a:r>
+          </a:p>
+          <a:p>
+            <a:pPr marL="0" marR="0" lvl="0" indent="0" algn="l" defTabSz="914400" rtl="0" eaLnBrk="1" fontAlgn="auto" latinLnBrk="0" hangingPunct="1">
+              <a:lnSpc>
+                <a:spcPct val="100000"/>
+              </a:lnSpc>
+              <a:spcBef>
+                <a:spcPts val="0"/>
+              </a:spcBef>
+              <a:spcAft>
+                <a:spcPts val="0"/>
+              </a:spcAft>
+              <a:buClrTx/>
+              <a:buSzTx/>
+              <a:buFontTx/>
+              <a:buNone/>
+              <a:tabLst/>
+              <a:defRPr/>
+            </a:pPr>
+            <a:r>
+              <a:rPr lang="en-US" dirty="0"/>
+              <a:t>While catching 70% of health cases, it classified 26% of healthy cases as low risk.</a:t>
+            </a:r>
+          </a:p>
+          <a:p>
+            <a:pPr marL="0" marR="0" lvl="0" indent="0" algn="l" defTabSz="914400" rtl="0" eaLnBrk="1" fontAlgn="auto" latinLnBrk="0" hangingPunct="1">
+              <a:lnSpc>
+                <a:spcPct val="100000"/>
+              </a:lnSpc>
+              <a:spcBef>
+                <a:spcPts val="0"/>
+              </a:spcBef>
+              <a:spcAft>
+                <a:spcPts val="0"/>
+              </a:spcAft>
+              <a:buClrTx/>
+              <a:buSzTx/>
+              <a:buFontTx/>
+              <a:buNone/>
+              <a:tabLst/>
+              <a:defRPr/>
+            </a:pPr>
             <a:endParaRPr lang="en-US" dirty="0"/>
           </a:p>
           <a:p>
+            <a:pPr marL="0" marR="0" lvl="0" indent="0" algn="l" defTabSz="914400" rtl="0" eaLnBrk="1" fontAlgn="auto" latinLnBrk="0" hangingPunct="1">
+              <a:lnSpc>
+                <a:spcPct val="100000"/>
+              </a:lnSpc>
+              <a:spcBef>
+                <a:spcPts val="0"/>
+              </a:spcBef>
+              <a:spcAft>
+                <a:spcPts val="0"/>
+              </a:spcAft>
+              <a:buClrTx/>
+              <a:buSzTx/>
+              <a:buFontTx/>
+              <a:buNone/>
+              <a:tabLst/>
+              <a:defRPr/>
+            </a:pPr>
             <a:r>
               <a:rPr lang="en-US" dirty="0"/>
-              <a:t>Keras library has a range of models, we used DenseNet model, one of its advantages is it is slower to discard information or features, while the drawback is that it might be more prone to overfit which is learning training data very closely and not being able to generalize well.</a:t>
-            </a:r>
+              <a:t>While low risk case group was hardest group for the model and only 49% of low –risk cases were classified correctly.</a:t>
+            </a:r>
+          </a:p>
+          <a:p>
+            <a:pPr marL="0" marR="0" lvl="0" indent="0" algn="l" defTabSz="914400" rtl="0" eaLnBrk="1" fontAlgn="auto" latinLnBrk="0" hangingPunct="1">
+              <a:lnSpc>
+                <a:spcPct val="100000"/>
+              </a:lnSpc>
+              <a:spcBef>
+                <a:spcPts val="0"/>
+              </a:spcBef>
+              <a:spcAft>
+                <a:spcPts val="0"/>
+              </a:spcAft>
+              <a:buClrTx/>
+              <a:buSzTx/>
+              <a:buFontTx/>
+              <a:buNone/>
+              <a:tabLst/>
+              <a:defRPr/>
+            </a:pPr>
+            <a:r>
+              <a:rPr lang="en-US" dirty="0"/>
+              <a:t> </a:t>
+            </a:r>
+          </a:p>
+          <a:p>
+            <a:pPr marL="0" marR="0" lvl="0" indent="0" algn="l" defTabSz="914400" rtl="0" eaLnBrk="1" fontAlgn="auto" latinLnBrk="0" hangingPunct="1">
+              <a:lnSpc>
+                <a:spcPct val="100000"/>
+              </a:lnSpc>
+              <a:spcBef>
+                <a:spcPts val="0"/>
+              </a:spcBef>
+              <a:spcAft>
+                <a:spcPts val="0"/>
+              </a:spcAft>
+              <a:buClrTx/>
+              <a:buSzTx/>
+              <a:buFontTx/>
+              <a:buNone/>
+              <a:tabLst/>
+              <a:defRPr/>
+            </a:pPr>
+            <a:endParaRPr lang="en-US" dirty="0"/>
+          </a:p>
+          <a:p>
+            <a:pPr marL="0" marR="0" lvl="0" indent="0" algn="l" defTabSz="914400" rtl="0" eaLnBrk="1" fontAlgn="auto" latinLnBrk="0" hangingPunct="1">
+              <a:lnSpc>
+                <a:spcPct val="100000"/>
+              </a:lnSpc>
+              <a:spcBef>
+                <a:spcPts val="0"/>
+              </a:spcBef>
+              <a:spcAft>
+                <a:spcPts val="0"/>
+              </a:spcAft>
+              <a:buClrTx/>
+              <a:buSzTx/>
+              <a:buFontTx/>
+              <a:buNone/>
+              <a:tabLst/>
+              <a:defRPr/>
+            </a:pPr>
+            <a:r>
+              <a:rPr lang="en-US" dirty="0"/>
+              <a:t>Only 49% of cases Low risk cases classified correctly</a:t>
+            </a:r>
+          </a:p>
+          <a:p>
+            <a:endParaRPr lang="en-US" dirty="0"/>
           </a:p>
         </p:txBody>
       </p:sp>
@@ -5763,7 +5900,7 @@
     </p:spTree>
     <p:extLst>
       <p:ext uri="{BB962C8B-B14F-4D97-AF65-F5344CB8AC3E}">
-        <p14:creationId xmlns:p14="http://schemas.microsoft.com/office/powerpoint/2010/main" val="888184639"/>
+        <p14:creationId xmlns:p14="http://schemas.microsoft.com/office/powerpoint/2010/main" val="2239392928"/>
       </p:ext>
     </p:extLst>
   </p:cSld>
@@ -5817,205 +5954,43 @@
           <a:bodyPr/>
           <a:lstStyle/>
           <a:p>
-            <a:pPr marL="0" marR="0" lvl="0" indent="0" algn="l" defTabSz="914400" rtl="0" eaLnBrk="1" fontAlgn="auto" latinLnBrk="0" hangingPunct="1">
-              <a:lnSpc>
-                <a:spcPct val="100000"/>
-              </a:lnSpc>
-              <a:spcBef>
-                <a:spcPts val="0"/>
-              </a:spcBef>
-              <a:spcAft>
-                <a:spcPts val="0"/>
-              </a:spcAft>
-              <a:buClrTx/>
-              <a:buSzTx/>
-              <a:buFontTx/>
-              <a:buNone/>
-              <a:tabLst/>
-              <a:defRPr/>
-            </a:pPr>
             <a:r>
               <a:rPr lang="en-US" dirty="0"/>
-              <a:t>Here we can see how the selected model performed on new our test data </a:t>
-            </a:r>
-          </a:p>
-          <a:p>
-            <a:pPr marL="0" marR="0" lvl="0" indent="0" algn="l" defTabSz="914400" rtl="0" eaLnBrk="1" fontAlgn="auto" latinLnBrk="0" hangingPunct="1">
-              <a:lnSpc>
-                <a:spcPct val="100000"/>
-              </a:lnSpc>
-              <a:spcBef>
-                <a:spcPts val="0"/>
-              </a:spcBef>
-              <a:spcAft>
-                <a:spcPts val="0"/>
-              </a:spcAft>
-              <a:buClrTx/>
-              <a:buSzTx/>
-              <a:buFontTx/>
-              <a:buNone/>
-              <a:tabLst/>
-              <a:defRPr/>
-            </a:pPr>
+              <a:t>Here we can see some misclassified images.</a:t>
+            </a:r>
+          </a:p>
+          <a:p>
             <a:endParaRPr lang="en-US" dirty="0"/>
           </a:p>
           <a:p>
-            <a:pPr marL="0" marR="0" lvl="0" indent="0" algn="l" defTabSz="914400" rtl="0" eaLnBrk="1" fontAlgn="auto" latinLnBrk="0" hangingPunct="1">
-              <a:lnSpc>
-                <a:spcPct val="100000"/>
-              </a:lnSpc>
-              <a:spcBef>
-                <a:spcPts val="0"/>
-              </a:spcBef>
-              <a:spcAft>
-                <a:spcPts val="0"/>
-              </a:spcAft>
-              <a:buClrTx/>
-              <a:buSzTx/>
-              <a:buFontTx/>
-              <a:buNone/>
-              <a:tabLst/>
-              <a:defRPr/>
-            </a:pPr>
             <a:r>
               <a:rPr lang="en-US" dirty="0"/>
-              <a:t>The model did a very good job on high risk cases, which makes sense as visually they are the most distinct group.</a:t>
-            </a:r>
-          </a:p>
-          <a:p>
-            <a:pPr marL="0" marR="0" lvl="0" indent="0" algn="l" defTabSz="914400" rtl="0" eaLnBrk="1" fontAlgn="auto" latinLnBrk="0" hangingPunct="1">
-              <a:lnSpc>
-                <a:spcPct val="100000"/>
-              </a:lnSpc>
-              <a:spcBef>
-                <a:spcPts val="0"/>
-              </a:spcBef>
-              <a:spcAft>
-                <a:spcPts val="0"/>
-              </a:spcAft>
-              <a:buClrTx/>
-              <a:buSzTx/>
-              <a:buFontTx/>
-              <a:buNone/>
-              <a:tabLst/>
-              <a:defRPr/>
-            </a:pPr>
+              <a:t>The model performance can be improved by adding more images, especially as all images are knee x-ray with small differences.</a:t>
+            </a:r>
+          </a:p>
+          <a:p>
             <a:r>
               <a:rPr lang="en-US" dirty="0"/>
-              <a:t>While catching 70% of health cases, it classified 26% of healthy cases as low risk.</a:t>
-            </a:r>
-          </a:p>
-          <a:p>
-            <a:pPr marL="0" marR="0" lvl="0" indent="0" algn="l" defTabSz="914400" rtl="0" eaLnBrk="1" fontAlgn="auto" latinLnBrk="0" hangingPunct="1">
-              <a:lnSpc>
-                <a:spcPct val="100000"/>
-              </a:lnSpc>
-              <a:spcBef>
-                <a:spcPts val="0"/>
-              </a:spcBef>
-              <a:spcAft>
-                <a:spcPts val="0"/>
-              </a:spcAft>
-              <a:buClrTx/>
-              <a:buSzTx/>
-              <a:buFontTx/>
-              <a:buNone/>
-              <a:tabLst/>
-              <a:defRPr/>
-            </a:pPr>
+              <a:t>Around 4800 images is not a big number to train model for this purpose.</a:t>
+            </a:r>
+          </a:p>
+          <a:p>
             <a:endParaRPr lang="en-US" dirty="0"/>
           </a:p>
           <a:p>
-            <a:pPr marL="0" marR="0" lvl="0" indent="0" algn="l" defTabSz="914400" rtl="0" eaLnBrk="1" fontAlgn="auto" latinLnBrk="0" hangingPunct="1">
-              <a:lnSpc>
-                <a:spcPct val="100000"/>
-              </a:lnSpc>
-              <a:spcBef>
-                <a:spcPts val="0"/>
-              </a:spcBef>
-              <a:spcAft>
-                <a:spcPts val="0"/>
-              </a:spcAft>
-              <a:buClrTx/>
-              <a:buSzTx/>
-              <a:buFontTx/>
-              <a:buNone/>
-              <a:tabLst/>
-              <a:defRPr/>
-            </a:pPr>
             <a:r>
               <a:rPr lang="en-US" dirty="0"/>
-              <a:t>While low risk case group was hardest group for the model and only 49% of low –risk cases were classified correctly.</a:t>
-            </a:r>
-          </a:p>
-          <a:p>
-            <a:pPr marL="0" marR="0" lvl="0" indent="0" algn="l" defTabSz="914400" rtl="0" eaLnBrk="1" fontAlgn="auto" latinLnBrk="0" hangingPunct="1">
-              <a:lnSpc>
-                <a:spcPct val="100000"/>
-              </a:lnSpc>
-              <a:spcBef>
-                <a:spcPts val="0"/>
-              </a:spcBef>
-              <a:spcAft>
-                <a:spcPts val="0"/>
-              </a:spcAft>
-              <a:buClrTx/>
-              <a:buSzTx/>
-              <a:buFontTx/>
-              <a:buNone/>
-              <a:tabLst/>
-              <a:defRPr/>
-            </a:pPr>
+              <a:t>Another consideration would be to group healthy and low-risk images so that we can focus on creating alert for high-risk cases.</a:t>
+            </a:r>
+          </a:p>
+          <a:p>
+            <a:endParaRPr lang="en-US" dirty="0"/>
+          </a:p>
+          <a:p>
             <a:r>
               <a:rPr lang="en-US" dirty="0"/>
-              <a:t> </a:t>
-            </a:r>
-          </a:p>
-          <a:p>
-            <a:pPr marL="0" marR="0" lvl="0" indent="0" algn="l" defTabSz="914400" rtl="0" eaLnBrk="1" fontAlgn="auto" latinLnBrk="0" hangingPunct="1">
-              <a:lnSpc>
-                <a:spcPct val="100000"/>
-              </a:lnSpc>
-              <a:spcBef>
-                <a:spcPts val="0"/>
-              </a:spcBef>
-              <a:spcAft>
-                <a:spcPts val="0"/>
-              </a:spcAft>
-              <a:buClrTx/>
-              <a:buSzTx/>
-              <a:buFontTx/>
-              <a:buNone/>
-              <a:tabLst/>
-              <a:defRPr/>
-            </a:pPr>
-            <a:endParaRPr lang="en-US" dirty="0"/>
-          </a:p>
-          <a:p>
-            <a:pPr marL="0" marR="0" lvl="0" indent="0" algn="l" defTabSz="914400" rtl="0" eaLnBrk="1" fontAlgn="auto" latinLnBrk="0" hangingPunct="1">
-              <a:lnSpc>
-                <a:spcPct val="100000"/>
-              </a:lnSpc>
-              <a:spcBef>
-                <a:spcPts val="0"/>
-              </a:spcBef>
-              <a:spcAft>
-                <a:spcPts val="0"/>
-              </a:spcAft>
-              <a:buClrTx/>
-              <a:buSzTx/>
-              <a:buFontTx/>
-              <a:buNone/>
-              <a:tabLst/>
-              <a:defRPr/>
-            </a:pPr>
-            <a:r>
-              <a:rPr lang="en-US" dirty="0"/>
-              <a:t>Only 49% of cases Low risk cases classified correctly</a:t>
-            </a:r>
-          </a:p>
-          <a:p>
-            <a:endParaRPr lang="en-US" dirty="0"/>
+              <a:t> Finally, as low-risk is itself a range it will be interesting to see if they are made of clusters of images that can be grouped into two subsequent categories. </a:t>
+            </a:r>
           </a:p>
         </p:txBody>
       </p:sp>
@@ -6045,7 +6020,7 @@
     </p:spTree>
     <p:extLst>
       <p:ext uri="{BB962C8B-B14F-4D97-AF65-F5344CB8AC3E}">
-        <p14:creationId xmlns:p14="http://schemas.microsoft.com/office/powerpoint/2010/main" val="2239392928"/>
+        <p14:creationId xmlns:p14="http://schemas.microsoft.com/office/powerpoint/2010/main" val="3786106949"/>
       </p:ext>
     </p:extLst>
   </p:cSld>
@@ -12135,166 +12110,6 @@
           <p:cNvPr id="2" name="Title 1">
             <a:extLst>
               <a:ext uri="{FF2B5EF4-FFF2-40B4-BE49-F238E27FC236}">
-                <a16:creationId xmlns:a16="http://schemas.microsoft.com/office/drawing/2014/main" id="{53857D42-F061-4EA3-A563-C6A3235CF515}"/>
-              </a:ext>
-            </a:extLst>
-          </p:cNvPr>
-          <p:cNvSpPr>
-            <a:spLocks noGrp="1"/>
-          </p:cNvSpPr>
-          <p:nvPr>
-            <p:ph type="title"/>
-          </p:nvPr>
-        </p:nvSpPr>
-        <p:spPr>
-          <a:xfrm>
-            <a:off x="924443" y="329163"/>
-            <a:ext cx="10353762" cy="970450"/>
-          </a:xfrm>
-        </p:spPr>
-        <p:txBody>
-          <a:bodyPr>
-            <a:normAutofit/>
-          </a:bodyPr>
-          <a:lstStyle/>
-          <a:p>
-            <a:r>
-              <a:rPr lang="en-US" sz="1800" dirty="0">
-                <a:latin typeface="Georgia" panose="02040502050405020303" pitchFamily="18" charset="0"/>
-              </a:rPr>
-              <a:t>Misclassified Images</a:t>
-            </a:r>
-          </a:p>
-        </p:txBody>
-      </p:sp>
-      <p:sp>
-        <p:nvSpPr>
-          <p:cNvPr id="4" name="Content Placeholder 3">
-            <a:extLst>
-              <a:ext uri="{FF2B5EF4-FFF2-40B4-BE49-F238E27FC236}">
-                <a16:creationId xmlns:a16="http://schemas.microsoft.com/office/drawing/2014/main" id="{6DF74BD5-B1E5-F7D3-FE05-1A677F6CEFCD}"/>
-              </a:ext>
-            </a:extLst>
-          </p:cNvPr>
-          <p:cNvSpPr>
-            <a:spLocks noGrp="1"/>
-          </p:cNvSpPr>
-          <p:nvPr>
-            <p:ph idx="1"/>
-          </p:nvPr>
-        </p:nvSpPr>
-        <p:spPr>
-          <a:xfrm>
-            <a:off x="913795" y="1732449"/>
-            <a:ext cx="4275722" cy="4058751"/>
-          </a:xfrm>
-        </p:spPr>
-        <p:txBody>
-          <a:bodyPr>
-            <a:normAutofit/>
-          </a:bodyPr>
-          <a:lstStyle/>
-          <a:p>
-            <a:r>
-              <a:rPr lang="en-US" sz="2400" dirty="0">
-                <a:latin typeface="Georgia" panose="02040502050405020303" pitchFamily="18" charset="0"/>
-              </a:rPr>
-              <a:t>More Data</a:t>
-            </a:r>
-          </a:p>
-          <a:p>
-            <a:endParaRPr lang="en-US" sz="2400" dirty="0">
-              <a:latin typeface="Georgia" panose="02040502050405020303" pitchFamily="18" charset="0"/>
-            </a:endParaRPr>
-          </a:p>
-          <a:p>
-            <a:r>
-              <a:rPr lang="en-US" sz="2400" dirty="0">
-                <a:latin typeface="Georgia" panose="02040502050405020303" pitchFamily="18" charset="0"/>
-              </a:rPr>
-              <a:t>Combining Healthy and Low-Risk </a:t>
-            </a:r>
-          </a:p>
-          <a:p>
-            <a:endParaRPr lang="en-US" sz="2400" dirty="0">
-              <a:latin typeface="Georgia" panose="02040502050405020303" pitchFamily="18" charset="0"/>
-            </a:endParaRPr>
-          </a:p>
-          <a:p>
-            <a:r>
-              <a:rPr lang="en-US" sz="2400" dirty="0">
-                <a:latin typeface="Georgia" panose="02040502050405020303" pitchFamily="18" charset="0"/>
-              </a:rPr>
-              <a:t>Clustering Low-Risk Images</a:t>
-            </a:r>
-          </a:p>
-        </p:txBody>
-      </p:sp>
-      <p:pic>
-        <p:nvPicPr>
-          <p:cNvPr id="6" name="Picture 5" descr="X-ray images of knee joint&#10;&#10;Description automatically generated">
-            <a:extLst>
-              <a:ext uri="{FF2B5EF4-FFF2-40B4-BE49-F238E27FC236}">
-                <a16:creationId xmlns:a16="http://schemas.microsoft.com/office/drawing/2014/main" id="{05F44410-6AB8-D8C9-72E2-5CE775336248}"/>
-              </a:ext>
-            </a:extLst>
-          </p:cNvPr>
-          <p:cNvPicPr>
-            <a:picLocks noChangeAspect="1"/>
-          </p:cNvPicPr>
-          <p:nvPr/>
-        </p:nvPicPr>
-        <p:blipFill>
-          <a:blip r:embed="rId3"/>
-          <a:stretch>
-            <a:fillRect/>
-          </a:stretch>
-        </p:blipFill>
-        <p:spPr>
-          <a:xfrm>
-            <a:off x="5189517" y="1732449"/>
-            <a:ext cx="6088688" cy="4311163"/>
-          </a:xfrm>
-          <a:prstGeom prst="rect">
-            <a:avLst/>
-          </a:prstGeom>
-        </p:spPr>
-      </p:pic>
-    </p:spTree>
-    <p:extLst>
-      <p:ext uri="{BB962C8B-B14F-4D97-AF65-F5344CB8AC3E}">
-        <p14:creationId xmlns:p14="http://schemas.microsoft.com/office/powerpoint/2010/main" val="717417787"/>
-      </p:ext>
-    </p:extLst>
-  </p:cSld>
-  <p:clrMapOvr>
-    <a:masterClrMapping/>
-  </p:clrMapOvr>
-</p:sld>
-</file>
-
-<file path=ppt/slides/slide11.xml><?xml version="1.0" encoding="utf-8"?>
-<p:sld xmlns:a="http://schemas.openxmlformats.org/drawingml/2006/main" xmlns:r="http://schemas.openxmlformats.org/officeDocument/2006/relationships" xmlns:p="http://schemas.openxmlformats.org/presentationml/2006/main">
-  <p:cSld>
-    <p:spTree>
-      <p:nvGrpSpPr>
-        <p:cNvPr id="1" name=""/>
-        <p:cNvGrpSpPr/>
-        <p:nvPr/>
-      </p:nvGrpSpPr>
-      <p:grpSpPr>
-        <a:xfrm>
-          <a:off x="0" y="0"/>
-          <a:ext cx="0" cy="0"/>
-          <a:chOff x="0" y="0"/>
-          <a:chExt cx="0" cy="0"/>
-        </a:xfrm>
-      </p:grpSpPr>
-      <p:sp>
-        <p:nvSpPr>
-          <p:cNvPr id="2" name="Title 1">
-            <a:extLst>
-              <a:ext uri="{FF2B5EF4-FFF2-40B4-BE49-F238E27FC236}">
                 <a16:creationId xmlns:a16="http://schemas.microsoft.com/office/drawing/2014/main" id="{4B8A9ED1-0990-B2B6-9198-9D9C08330F8B}"/>
               </a:ext>
             </a:extLst>
@@ -12402,7 +12217,7 @@
 </p:sld>
 </file>
 
-<file path=ppt/slides/slide12.xml><?xml version="1.0" encoding="utf-8"?>
+<file path=ppt/slides/slide11.xml><?xml version="1.0" encoding="utf-8"?>
 <p:sld xmlns:a="http://schemas.openxmlformats.org/drawingml/2006/main" xmlns:r="http://schemas.openxmlformats.org/officeDocument/2006/relationships" xmlns:p="http://schemas.openxmlformats.org/presentationml/2006/main">
   <p:cSld>
     <p:bg>
@@ -13075,620 +12890,6 @@
           <p:cNvPr id="2" name="Title 1">
             <a:extLst>
               <a:ext uri="{FF2B5EF4-FFF2-40B4-BE49-F238E27FC236}">
-                <a16:creationId xmlns:a16="http://schemas.microsoft.com/office/drawing/2014/main" id="{53857D42-F061-4EA3-A563-C6A3235CF515}"/>
-              </a:ext>
-            </a:extLst>
-          </p:cNvPr>
-          <p:cNvSpPr>
-            <a:spLocks noGrp="1"/>
-          </p:cNvSpPr>
-          <p:nvPr>
-            <p:ph type="title"/>
-          </p:nvPr>
-        </p:nvSpPr>
-        <p:spPr>
-          <a:xfrm>
-            <a:off x="913796" y="237506"/>
-            <a:ext cx="10758293" cy="742251"/>
-          </a:xfrm>
-        </p:spPr>
-        <p:txBody>
-          <a:bodyPr>
-            <a:normAutofit/>
-          </a:bodyPr>
-          <a:lstStyle/>
-          <a:p>
-            <a:r>
-              <a:rPr lang="en-US" sz="1800" dirty="0">
-                <a:latin typeface="Georgia" panose="02040502050405020303" pitchFamily="18" charset="0"/>
-              </a:rPr>
-              <a:t>Image</a:t>
-            </a:r>
-          </a:p>
-        </p:txBody>
-      </p:sp>
-      <p:pic>
-        <p:nvPicPr>
-          <p:cNvPr id="13" name="Content Placeholder 5">
-            <a:extLst>
-              <a:ext uri="{FF2B5EF4-FFF2-40B4-BE49-F238E27FC236}">
-                <a16:creationId xmlns:a16="http://schemas.microsoft.com/office/drawing/2014/main" id="{8E4C405E-4B9C-B49F-A35D-7F7259721E43}"/>
-              </a:ext>
-            </a:extLst>
-          </p:cNvPr>
-          <p:cNvPicPr>
-            <a:picLocks noGrp="1" noChangeAspect="1"/>
-          </p:cNvPicPr>
-          <p:nvPr>
-            <p:ph sz="half" idx="1"/>
-          </p:nvPr>
-        </p:nvPicPr>
-        <p:blipFill>
-          <a:blip r:embed="rId3"/>
-          <a:stretch>
-            <a:fillRect/>
-          </a:stretch>
-        </p:blipFill>
-        <p:spPr>
-          <a:xfrm>
-            <a:off x="5675277" y="1131194"/>
-            <a:ext cx="2561294" cy="2539215"/>
-          </a:xfrm>
-        </p:spPr>
-      </p:pic>
-      <p:pic>
-        <p:nvPicPr>
-          <p:cNvPr id="15" name="Content Placeholder 14">
-            <a:extLst>
-              <a:ext uri="{FF2B5EF4-FFF2-40B4-BE49-F238E27FC236}">
-                <a16:creationId xmlns:a16="http://schemas.microsoft.com/office/drawing/2014/main" id="{4C67AA4D-0297-E3C3-3E80-7E6196C28754}"/>
-              </a:ext>
-            </a:extLst>
-          </p:cNvPr>
-          <p:cNvPicPr>
-            <a:picLocks noGrp="1" noChangeAspect="1"/>
-          </p:cNvPicPr>
-          <p:nvPr>
-            <p:ph sz="half" idx="2"/>
-          </p:nvPr>
-        </p:nvPicPr>
-        <p:blipFill>
-          <a:blip r:embed="rId4"/>
-          <a:stretch>
-            <a:fillRect/>
-          </a:stretch>
-        </p:blipFill>
-        <p:spPr>
-          <a:xfrm>
-            <a:off x="8355240" y="1131194"/>
-            <a:ext cx="3316850" cy="2539215"/>
-          </a:xfrm>
-          <a:prstGeom prst="rect">
-            <a:avLst/>
-          </a:prstGeom>
-        </p:spPr>
-      </p:pic>
-      <p:pic>
-        <p:nvPicPr>
-          <p:cNvPr id="17" name="Picture 16">
-            <a:extLst>
-              <a:ext uri="{FF2B5EF4-FFF2-40B4-BE49-F238E27FC236}">
-                <a16:creationId xmlns:a16="http://schemas.microsoft.com/office/drawing/2014/main" id="{E2B6F8BF-FEFC-168B-90C9-5829083B78D9}"/>
-              </a:ext>
-            </a:extLst>
-          </p:cNvPr>
-          <p:cNvPicPr>
-            <a:picLocks noChangeAspect="1"/>
-          </p:cNvPicPr>
-          <p:nvPr/>
-        </p:nvPicPr>
-        <p:blipFill>
-          <a:blip r:embed="rId5"/>
-          <a:stretch>
-            <a:fillRect/>
-          </a:stretch>
-        </p:blipFill>
-        <p:spPr>
-          <a:xfrm>
-            <a:off x="5522393" y="3831896"/>
-            <a:ext cx="2714177" cy="2519115"/>
-          </a:xfrm>
-          <a:prstGeom prst="rect">
-            <a:avLst/>
-          </a:prstGeom>
-        </p:spPr>
-      </p:pic>
-      <p:pic>
-        <p:nvPicPr>
-          <p:cNvPr id="19" name="Picture 18">
-            <a:extLst>
-              <a:ext uri="{FF2B5EF4-FFF2-40B4-BE49-F238E27FC236}">
-                <a16:creationId xmlns:a16="http://schemas.microsoft.com/office/drawing/2014/main" id="{8B9126A4-6F88-8F4B-4F67-9D7E12758939}"/>
-              </a:ext>
-            </a:extLst>
-          </p:cNvPr>
-          <p:cNvPicPr>
-            <a:picLocks noChangeAspect="1"/>
-          </p:cNvPicPr>
-          <p:nvPr/>
-        </p:nvPicPr>
-        <p:blipFill>
-          <a:blip r:embed="rId6"/>
-          <a:stretch>
-            <a:fillRect/>
-          </a:stretch>
-        </p:blipFill>
-        <p:spPr>
-          <a:xfrm>
-            <a:off x="8355240" y="3821846"/>
-            <a:ext cx="3316850" cy="2529165"/>
-          </a:xfrm>
-          <a:prstGeom prst="rect">
-            <a:avLst/>
-          </a:prstGeom>
-        </p:spPr>
-      </p:pic>
-      <p:sp>
-        <p:nvSpPr>
-          <p:cNvPr id="20" name="Content Placeholder 3">
-            <a:extLst>
-              <a:ext uri="{FF2B5EF4-FFF2-40B4-BE49-F238E27FC236}">
-                <a16:creationId xmlns:a16="http://schemas.microsoft.com/office/drawing/2014/main" id="{EF200539-E593-6309-E57F-547E3E7238EA}"/>
-              </a:ext>
-            </a:extLst>
-          </p:cNvPr>
-          <p:cNvSpPr txBox="1">
-            <a:spLocks/>
-          </p:cNvSpPr>
-          <p:nvPr/>
-        </p:nvSpPr>
-        <p:spPr>
-          <a:xfrm>
-            <a:off x="913795" y="1580050"/>
-            <a:ext cx="3527575" cy="4668350"/>
-          </a:xfrm>
-          <a:prstGeom prst="rect">
-            <a:avLst/>
-          </a:prstGeom>
-          <a:effectLst>
-            <a:outerShdw blurRad="25400" dir="17880000">
-              <a:srgbClr val="000000">
-                <a:alpha val="46000"/>
-              </a:srgbClr>
-            </a:outerShdw>
-          </a:effectLst>
-        </p:spPr>
-        <p:txBody>
-          <a:bodyPr vert="horz" lIns="91440" tIns="45720" rIns="91440" bIns="45720" rtlCol="0" anchor="t">
-            <a:normAutofit/>
-          </a:bodyPr>
-          <a:lstStyle>
-            <a:lvl1pPr marL="342900" indent="-306000" algn="l" defTabSz="457200" rtl="0" eaLnBrk="1" latinLnBrk="0" hangingPunct="1">
-              <a:spcBef>
-                <a:spcPct val="20000"/>
-              </a:spcBef>
-              <a:spcAft>
-                <a:spcPts val="600"/>
-              </a:spcAft>
-              <a:buClr>
-                <a:schemeClr val="tx2"/>
-              </a:buClr>
-              <a:buSzPct val="70000"/>
-              <a:buFont typeface="Wingdings 2" charset="2"/>
-              <a:buChar char=""/>
-              <a:defRPr sz="2000" kern="1200">
-                <a:ln>
-                  <a:solidFill>
-                    <a:schemeClr val="bg1">
-                      <a:lumMod val="75000"/>
-                      <a:lumOff val="25000"/>
-                      <a:alpha val="10000"/>
-                    </a:schemeClr>
-                  </a:solidFill>
-                </a:ln>
-                <a:solidFill>
-                  <a:schemeClr val="tx2"/>
-                </a:solidFill>
-                <a:effectLst>
-                  <a:outerShdw blurRad="9525" dist="25400" dir="14640000" algn="tl" rotWithShape="0">
-                    <a:schemeClr val="bg1">
-                      <a:alpha val="30000"/>
-                    </a:schemeClr>
-                  </a:outerShdw>
-                </a:effectLst>
-                <a:latin typeface="+mn-lt"/>
-                <a:ea typeface="+mn-ea"/>
-                <a:cs typeface="+mn-cs"/>
-              </a:defRPr>
-            </a:lvl1pPr>
-            <a:lvl2pPr marL="720000" indent="-270000" algn="l" defTabSz="457200" rtl="0" eaLnBrk="1" latinLnBrk="0" hangingPunct="1">
-              <a:spcBef>
-                <a:spcPct val="20000"/>
-              </a:spcBef>
-              <a:spcAft>
-                <a:spcPts val="600"/>
-              </a:spcAft>
-              <a:buClr>
-                <a:schemeClr val="tx2"/>
-              </a:buClr>
-              <a:buSzPct val="70000"/>
-              <a:buFont typeface="Wingdings 2" charset="2"/>
-              <a:buChar char=""/>
-              <a:defRPr sz="1800" kern="1200">
-                <a:ln>
-                  <a:solidFill>
-                    <a:schemeClr val="bg1">
-                      <a:lumMod val="75000"/>
-                      <a:lumOff val="25000"/>
-                      <a:alpha val="10000"/>
-                    </a:schemeClr>
-                  </a:solidFill>
-                </a:ln>
-                <a:solidFill>
-                  <a:schemeClr val="tx2"/>
-                </a:solidFill>
-                <a:effectLst>
-                  <a:outerShdw blurRad="9525" dist="25400" dir="14640000" algn="tl" rotWithShape="0">
-                    <a:schemeClr val="bg1">
-                      <a:alpha val="30000"/>
-                    </a:schemeClr>
-                  </a:outerShdw>
-                </a:effectLst>
-                <a:latin typeface="+mn-lt"/>
-                <a:ea typeface="+mn-ea"/>
-                <a:cs typeface="+mn-cs"/>
-              </a:defRPr>
-            </a:lvl2pPr>
-            <a:lvl3pPr marL="1026000" indent="-216000" algn="l" defTabSz="457200" rtl="0" eaLnBrk="1" latinLnBrk="0" hangingPunct="1">
-              <a:spcBef>
-                <a:spcPct val="20000"/>
-              </a:spcBef>
-              <a:spcAft>
-                <a:spcPts val="600"/>
-              </a:spcAft>
-              <a:buClr>
-                <a:schemeClr val="tx2"/>
-              </a:buClr>
-              <a:buSzPct val="70000"/>
-              <a:buFont typeface="Wingdings 2" charset="2"/>
-              <a:buChar char=""/>
-              <a:defRPr sz="1600" kern="1200">
-                <a:ln>
-                  <a:solidFill>
-                    <a:schemeClr val="bg1">
-                      <a:lumMod val="75000"/>
-                      <a:lumOff val="25000"/>
-                      <a:alpha val="10000"/>
-                    </a:schemeClr>
-                  </a:solidFill>
-                </a:ln>
-                <a:solidFill>
-                  <a:schemeClr val="tx2"/>
-                </a:solidFill>
-                <a:effectLst>
-                  <a:outerShdw blurRad="9525" dist="25400" dir="14640000" algn="tl" rotWithShape="0">
-                    <a:schemeClr val="bg1">
-                      <a:alpha val="30000"/>
-                    </a:schemeClr>
-                  </a:outerShdw>
-                </a:effectLst>
-                <a:latin typeface="+mn-lt"/>
-                <a:ea typeface="+mn-ea"/>
-                <a:cs typeface="+mn-cs"/>
-              </a:defRPr>
-            </a:lvl3pPr>
-            <a:lvl4pPr marL="1386000" indent="-216000" algn="l" defTabSz="457200" rtl="0" eaLnBrk="1" latinLnBrk="0" hangingPunct="1">
-              <a:spcBef>
-                <a:spcPct val="20000"/>
-              </a:spcBef>
-              <a:spcAft>
-                <a:spcPts val="600"/>
-              </a:spcAft>
-              <a:buClr>
-                <a:schemeClr val="tx2"/>
-              </a:buClr>
-              <a:buSzPct val="70000"/>
-              <a:buFont typeface="Wingdings 2" charset="2"/>
-              <a:buChar char=""/>
-              <a:defRPr sz="1400" kern="1200">
-                <a:ln>
-                  <a:solidFill>
-                    <a:schemeClr val="bg1">
-                      <a:lumMod val="75000"/>
-                      <a:lumOff val="25000"/>
-                      <a:alpha val="10000"/>
-                    </a:schemeClr>
-                  </a:solidFill>
-                </a:ln>
-                <a:solidFill>
-                  <a:schemeClr val="tx2"/>
-                </a:solidFill>
-                <a:effectLst>
-                  <a:outerShdw blurRad="9525" dist="25400" dir="14640000" algn="tl" rotWithShape="0">
-                    <a:schemeClr val="bg1">
-                      <a:alpha val="30000"/>
-                    </a:schemeClr>
-                  </a:outerShdw>
-                </a:effectLst>
-                <a:latin typeface="+mn-lt"/>
-                <a:ea typeface="+mn-ea"/>
-                <a:cs typeface="+mn-cs"/>
-              </a:defRPr>
-            </a:lvl4pPr>
-            <a:lvl5pPr marL="1674000" indent="-216000" algn="l" defTabSz="457200" rtl="0" eaLnBrk="1" latinLnBrk="0" hangingPunct="1">
-              <a:spcBef>
-                <a:spcPct val="20000"/>
-              </a:spcBef>
-              <a:spcAft>
-                <a:spcPts val="600"/>
-              </a:spcAft>
-              <a:buClr>
-                <a:schemeClr val="tx2"/>
-              </a:buClr>
-              <a:buSzPct val="70000"/>
-              <a:buFont typeface="Wingdings 2" charset="2"/>
-              <a:buChar char=""/>
-              <a:defRPr sz="1400" kern="1200">
-                <a:ln>
-                  <a:solidFill>
-                    <a:schemeClr val="bg1">
-                      <a:lumMod val="75000"/>
-                      <a:lumOff val="25000"/>
-                      <a:alpha val="10000"/>
-                    </a:schemeClr>
-                  </a:solidFill>
-                </a:ln>
-                <a:solidFill>
-                  <a:schemeClr val="tx2"/>
-                </a:solidFill>
-                <a:effectLst>
-                  <a:outerShdw blurRad="9525" dist="25400" dir="14640000" algn="tl" rotWithShape="0">
-                    <a:schemeClr val="bg1">
-                      <a:alpha val="30000"/>
-                    </a:schemeClr>
-                  </a:outerShdw>
-                </a:effectLst>
-                <a:latin typeface="+mn-lt"/>
-                <a:ea typeface="+mn-ea"/>
-                <a:cs typeface="+mn-cs"/>
-              </a:defRPr>
-            </a:lvl5pPr>
-            <a:lvl6pPr marL="2014600" indent="-228600" algn="l" defTabSz="457200" rtl="0" eaLnBrk="1" latinLnBrk="0" hangingPunct="1">
-              <a:spcBef>
-                <a:spcPct val="20000"/>
-              </a:spcBef>
-              <a:spcAft>
-                <a:spcPts val="600"/>
-              </a:spcAft>
-              <a:buClr>
-                <a:schemeClr val="tx2"/>
-              </a:buClr>
-              <a:buSzPct val="70000"/>
-              <a:buFont typeface="Wingdings 2" charset="2"/>
-              <a:buChar char=""/>
-              <a:defRPr sz="1400" kern="1200">
-                <a:ln>
-                  <a:solidFill>
-                    <a:schemeClr val="bg1">
-                      <a:lumMod val="75000"/>
-                      <a:lumOff val="25000"/>
-                      <a:alpha val="10000"/>
-                    </a:schemeClr>
-                  </a:solidFill>
-                </a:ln>
-                <a:solidFill>
-                  <a:schemeClr val="tx2"/>
-                </a:solidFill>
-                <a:effectLst>
-                  <a:outerShdw blurRad="9525" dist="25400" dir="14640000" algn="tl" rotWithShape="0">
-                    <a:schemeClr val="bg1">
-                      <a:alpha val="30000"/>
-                    </a:schemeClr>
-                  </a:outerShdw>
-                </a:effectLst>
-                <a:latin typeface="+mn-lt"/>
-                <a:ea typeface="+mn-ea"/>
-                <a:cs typeface="+mn-cs"/>
-              </a:defRPr>
-            </a:lvl6pPr>
-            <a:lvl7pPr marL="2401800" indent="-228600" algn="l" defTabSz="457200" rtl="0" eaLnBrk="1" latinLnBrk="0" hangingPunct="1">
-              <a:spcBef>
-                <a:spcPct val="20000"/>
-              </a:spcBef>
-              <a:spcAft>
-                <a:spcPts val="600"/>
-              </a:spcAft>
-              <a:buClr>
-                <a:schemeClr val="tx2"/>
-              </a:buClr>
-              <a:buSzPct val="70000"/>
-              <a:buFont typeface="Wingdings 2" charset="2"/>
-              <a:buChar char=""/>
-              <a:defRPr sz="1400" kern="1200">
-                <a:ln>
-                  <a:solidFill>
-                    <a:schemeClr val="bg1">
-                      <a:lumMod val="75000"/>
-                      <a:lumOff val="25000"/>
-                      <a:alpha val="10000"/>
-                    </a:schemeClr>
-                  </a:solidFill>
-                </a:ln>
-                <a:solidFill>
-                  <a:schemeClr val="tx2"/>
-                </a:solidFill>
-                <a:effectLst>
-                  <a:outerShdw blurRad="9525" dist="25400" dir="14640000" algn="tl" rotWithShape="0">
-                    <a:schemeClr val="bg1">
-                      <a:alpha val="30000"/>
-                    </a:schemeClr>
-                  </a:outerShdw>
-                </a:effectLst>
-                <a:latin typeface="+mn-lt"/>
-                <a:ea typeface="+mn-ea"/>
-                <a:cs typeface="+mn-cs"/>
-              </a:defRPr>
-            </a:lvl7pPr>
-            <a:lvl8pPr marL="2789000" indent="-228600" algn="l" defTabSz="457200" rtl="0" eaLnBrk="1" latinLnBrk="0" hangingPunct="1">
-              <a:spcBef>
-                <a:spcPct val="20000"/>
-              </a:spcBef>
-              <a:spcAft>
-                <a:spcPts val="600"/>
-              </a:spcAft>
-              <a:buClr>
-                <a:schemeClr val="tx2"/>
-              </a:buClr>
-              <a:buSzPct val="70000"/>
-              <a:buFont typeface="Wingdings 2" charset="2"/>
-              <a:buChar char=""/>
-              <a:defRPr sz="1400" kern="1200">
-                <a:ln>
-                  <a:solidFill>
-                    <a:schemeClr val="bg1">
-                      <a:lumMod val="75000"/>
-                      <a:lumOff val="25000"/>
-                      <a:alpha val="10000"/>
-                    </a:schemeClr>
-                  </a:solidFill>
-                </a:ln>
-                <a:solidFill>
-                  <a:schemeClr val="tx2"/>
-                </a:solidFill>
-                <a:effectLst>
-                  <a:outerShdw blurRad="9525" dist="25400" dir="14640000" algn="tl" rotWithShape="0">
-                    <a:schemeClr val="bg1">
-                      <a:alpha val="30000"/>
-                    </a:schemeClr>
-                  </a:outerShdw>
-                </a:effectLst>
-                <a:latin typeface="+mn-lt"/>
-                <a:ea typeface="+mn-ea"/>
-                <a:cs typeface="+mn-cs"/>
-              </a:defRPr>
-            </a:lvl8pPr>
-            <a:lvl9pPr marL="3106200" indent="-228600" algn="l" defTabSz="457200" rtl="0" eaLnBrk="1" latinLnBrk="0" hangingPunct="1">
-              <a:spcBef>
-                <a:spcPct val="20000"/>
-              </a:spcBef>
-              <a:spcAft>
-                <a:spcPts val="600"/>
-              </a:spcAft>
-              <a:buClr>
-                <a:schemeClr val="tx2"/>
-              </a:buClr>
-              <a:buSzPct val="70000"/>
-              <a:buFont typeface="Wingdings 2" charset="2"/>
-              <a:buChar char=""/>
-              <a:defRPr sz="1400" kern="1200">
-                <a:ln>
-                  <a:solidFill>
-                    <a:schemeClr val="bg1">
-                      <a:lumMod val="75000"/>
-                      <a:lumOff val="25000"/>
-                      <a:alpha val="10000"/>
-                    </a:schemeClr>
-                  </a:solidFill>
-                </a:ln>
-                <a:solidFill>
-                  <a:schemeClr val="tx2"/>
-                </a:solidFill>
-                <a:effectLst>
-                  <a:outerShdw blurRad="9525" dist="25400" dir="14640000" algn="tl" rotWithShape="0">
-                    <a:schemeClr val="bg1">
-                      <a:alpha val="30000"/>
-                    </a:schemeClr>
-                  </a:outerShdw>
-                </a:effectLst>
-                <a:latin typeface="+mn-lt"/>
-                <a:ea typeface="+mn-ea"/>
-                <a:cs typeface="+mn-cs"/>
-              </a:defRPr>
-            </a:lvl9pPr>
-          </a:lstStyle>
-          <a:p>
-            <a:r>
-              <a:rPr lang="en-US" sz="2400" dirty="0">
-                <a:latin typeface="Georgia" panose="02040502050405020303" pitchFamily="18" charset="0"/>
-              </a:rPr>
-              <a:t>Labelled Images</a:t>
-            </a:r>
-            <a:endParaRPr lang="en-US" sz="2200" dirty="0">
-              <a:latin typeface="Georgia" panose="02040502050405020303" pitchFamily="18" charset="0"/>
-            </a:endParaRPr>
-          </a:p>
-          <a:p>
-            <a:endParaRPr lang="en-US" sz="2400" dirty="0">
-              <a:latin typeface="Georgia" panose="02040502050405020303" pitchFamily="18" charset="0"/>
-            </a:endParaRPr>
-          </a:p>
-          <a:p>
-            <a:r>
-              <a:rPr lang="en-US" sz="2400" dirty="0">
-                <a:latin typeface="Georgia" panose="02040502050405020303" pitchFamily="18" charset="0"/>
-              </a:rPr>
-              <a:t>Image Size</a:t>
-            </a:r>
-          </a:p>
-          <a:p>
-            <a:pPr lvl="1"/>
-            <a:r>
-              <a:rPr lang="en-US" sz="2000" dirty="0">
-                <a:latin typeface="Georgia" panose="02040502050405020303" pitchFamily="18" charset="0"/>
-              </a:rPr>
-              <a:t>224 x 224</a:t>
-            </a:r>
-          </a:p>
-          <a:p>
-            <a:pPr marL="36900" indent="0">
-              <a:buNone/>
-            </a:pPr>
-            <a:endParaRPr lang="en-US" sz="2400" dirty="0">
-              <a:latin typeface="Georgia" panose="02040502050405020303" pitchFamily="18" charset="0"/>
-            </a:endParaRPr>
-          </a:p>
-          <a:p>
-            <a:endParaRPr lang="en-US" sz="2400" dirty="0">
-              <a:latin typeface="Georgia" panose="02040502050405020303" pitchFamily="18" charset="0"/>
-            </a:endParaRPr>
-          </a:p>
-        </p:txBody>
-      </p:sp>
-    </p:spTree>
-    <p:extLst>
-      <p:ext uri="{BB962C8B-B14F-4D97-AF65-F5344CB8AC3E}">
-        <p14:creationId xmlns:p14="http://schemas.microsoft.com/office/powerpoint/2010/main" val="2767487424"/>
-      </p:ext>
-    </p:extLst>
-  </p:cSld>
-  <p:clrMapOvr>
-    <a:masterClrMapping/>
-  </p:clrMapOvr>
-</p:sld>
-</file>
-
-<file path=ppt/slides/slide6.xml><?xml version="1.0" encoding="utf-8"?>
-<p:sld xmlns:a="http://schemas.openxmlformats.org/drawingml/2006/main" xmlns:r="http://schemas.openxmlformats.org/officeDocument/2006/relationships" xmlns:p="http://schemas.openxmlformats.org/presentationml/2006/main">
-  <p:cSld>
-    <p:spTree>
-      <p:nvGrpSpPr>
-        <p:cNvPr id="1" name=""/>
-        <p:cNvGrpSpPr/>
-        <p:nvPr/>
-      </p:nvGrpSpPr>
-      <p:grpSpPr>
-        <a:xfrm>
-          <a:off x="0" y="0"/>
-          <a:ext cx="0" cy="0"/>
-          <a:chOff x="0" y="0"/>
-          <a:chExt cx="0" cy="0"/>
-        </a:xfrm>
-      </p:grpSpPr>
-      <p:sp>
-        <p:nvSpPr>
-          <p:cNvPr id="2" name="Title 1">
-            <a:extLst>
-              <a:ext uri="{FF2B5EF4-FFF2-40B4-BE49-F238E27FC236}">
                 <a16:creationId xmlns:a16="http://schemas.microsoft.com/office/drawing/2014/main" id="{49A5C570-B3E6-4E65-F2AE-29B665C8AA48}"/>
               </a:ext>
             </a:extLst>
@@ -13753,13 +12954,48 @@
               <a:rPr lang="en-US" sz="2400" dirty="0">
                 <a:latin typeface="Georgia" panose="02040502050405020303" pitchFamily="18" charset="0"/>
               </a:rPr>
+              <a:t>Labelled Images</a:t>
+            </a:r>
+          </a:p>
+          <a:p>
+            <a:endParaRPr lang="en-US" sz="2400" dirty="0">
+              <a:latin typeface="Georgia" panose="02040502050405020303" pitchFamily="18" charset="0"/>
+            </a:endParaRPr>
+          </a:p>
+          <a:p>
+            <a:r>
+              <a:rPr lang="en-US" sz="2400" dirty="0">
+                <a:latin typeface="Georgia" panose="02040502050405020303" pitchFamily="18" charset="0"/>
+              </a:rPr>
+              <a:t>Image Size</a:t>
+            </a:r>
+          </a:p>
+          <a:p>
+            <a:pPr lvl="1"/>
+            <a:r>
+              <a:rPr lang="en-US" sz="2400" dirty="0">
+                <a:latin typeface="Georgia" panose="02040502050405020303" pitchFamily="18" charset="0"/>
+              </a:rPr>
+              <a:t>224 x 224</a:t>
+            </a:r>
+          </a:p>
+          <a:p>
+            <a:endParaRPr lang="en-US" sz="2400" dirty="0">
+              <a:latin typeface="Georgia" panose="02040502050405020303" pitchFamily="18" charset="0"/>
+            </a:endParaRPr>
+          </a:p>
+          <a:p>
+            <a:r>
+              <a:rPr lang="en-US" sz="2400" dirty="0">
+                <a:latin typeface="Georgia" panose="02040502050405020303" pitchFamily="18" charset="0"/>
+              </a:rPr>
               <a:t>Biggest Indicator</a:t>
             </a:r>
           </a:p>
           <a:p>
             <a:pPr lvl="2"/>
             <a:r>
-              <a:rPr lang="en-US" sz="2000" dirty="0">
+              <a:rPr lang="en-US" sz="2400" dirty="0">
                 <a:latin typeface="Georgia" panose="02040502050405020303" pitchFamily="18" charset="0"/>
               </a:rPr>
               <a:t>The Gap Between Bones</a:t>
@@ -13809,7 +13045,7 @@
 </p:sld>
 </file>
 
-<file path=ppt/slides/slide7.xml><?xml version="1.0" encoding="utf-8"?>
+<file path=ppt/slides/slide6.xml><?xml version="1.0" encoding="utf-8"?>
 <p:sld xmlns:a="http://schemas.openxmlformats.org/drawingml/2006/main" xmlns:r="http://schemas.openxmlformats.org/officeDocument/2006/relationships" xmlns:p="http://schemas.openxmlformats.org/presentationml/2006/main">
   <p:cSld>
     <p:spTree>
@@ -13950,9 +13186,83 @@
         </p:blipFill>
         <p:spPr>
           <a:xfrm>
-            <a:off x="5748523" y="2572163"/>
-            <a:ext cx="5519034" cy="1713673"/>
+            <a:off x="5898504" y="4167358"/>
+            <a:ext cx="5229720" cy="1623841"/>
           </a:xfrm>
+        </p:spPr>
+      </p:pic>
+      <p:pic>
+        <p:nvPicPr>
+          <p:cNvPr id="3" name="Content Placeholder 5">
+            <a:extLst>
+              <a:ext uri="{FF2B5EF4-FFF2-40B4-BE49-F238E27FC236}">
+                <a16:creationId xmlns:a16="http://schemas.microsoft.com/office/drawing/2014/main" id="{0B15949F-05EE-3943-659C-70A40D13DF6D}"/>
+              </a:ext>
+            </a:extLst>
+          </p:cNvPr>
+          <p:cNvPicPr>
+            <a:picLocks noChangeAspect="1"/>
+          </p:cNvPicPr>
+          <p:nvPr/>
+        </p:nvPicPr>
+        <p:blipFill>
+          <a:blip r:embed="rId4"/>
+          <a:stretch>
+            <a:fillRect/>
+          </a:stretch>
+        </p:blipFill>
+        <p:spPr>
+          <a:xfrm>
+            <a:off x="5394737" y="1342544"/>
+            <a:ext cx="2561294" cy="2539215"/>
+          </a:xfrm>
+          <a:prstGeom prst="rect">
+            <a:avLst/>
+          </a:prstGeom>
+          <a:effectLst>
+            <a:outerShdw blurRad="25400" dir="17880000">
+              <a:srgbClr val="000000">
+                <a:alpha val="46000"/>
+              </a:srgbClr>
+            </a:outerShdw>
+          </a:effectLst>
+        </p:spPr>
+      </p:pic>
+      <p:pic>
+        <p:nvPicPr>
+          <p:cNvPr id="5" name="Content Placeholder 14">
+            <a:extLst>
+              <a:ext uri="{FF2B5EF4-FFF2-40B4-BE49-F238E27FC236}">
+                <a16:creationId xmlns:a16="http://schemas.microsoft.com/office/drawing/2014/main" id="{3FF3FA01-AB8B-6E93-0F60-CECBCB54F298}"/>
+              </a:ext>
+            </a:extLst>
+          </p:cNvPr>
+          <p:cNvPicPr>
+            <a:picLocks noChangeAspect="1"/>
+          </p:cNvPicPr>
+          <p:nvPr/>
+        </p:nvPicPr>
+        <p:blipFill>
+          <a:blip r:embed="rId5"/>
+          <a:stretch>
+            <a:fillRect/>
+          </a:stretch>
+        </p:blipFill>
+        <p:spPr>
+          <a:xfrm>
+            <a:off x="8513364" y="1342544"/>
+            <a:ext cx="3316850" cy="2539215"/>
+          </a:xfrm>
+          <a:prstGeom prst="rect">
+            <a:avLst/>
+          </a:prstGeom>
+          <a:effectLst>
+            <a:outerShdw blurRad="25400" dir="17880000">
+              <a:srgbClr val="000000">
+                <a:alpha val="46000"/>
+              </a:srgbClr>
+            </a:outerShdw>
+          </a:effectLst>
         </p:spPr>
       </p:pic>
     </p:spTree>
@@ -13968,7 +13278,7 @@
 </p:sld>
 </file>
 
-<file path=ppt/slides/slide8.xml><?xml version="1.0" encoding="utf-8"?>
+<file path=ppt/slides/slide7.xml><?xml version="1.0" encoding="utf-8"?>
 <p:sld xmlns:a="http://schemas.openxmlformats.org/drawingml/2006/main" xmlns:r="http://schemas.openxmlformats.org/officeDocument/2006/relationships" xmlns:p="http://schemas.openxmlformats.org/presentationml/2006/main">
   <p:cSld>
     <p:spTree>
@@ -14155,7 +13465,7 @@
 </p:sld>
 </file>
 
-<file path=ppt/slides/slide9.xml><?xml version="1.0" encoding="utf-8"?>
+<file path=ppt/slides/slide8.xml><?xml version="1.0" encoding="utf-8"?>
 <p:sld xmlns:a="http://schemas.openxmlformats.org/drawingml/2006/main" xmlns:r="http://schemas.openxmlformats.org/officeDocument/2006/relationships" xmlns:p="http://schemas.openxmlformats.org/presentationml/2006/main">
   <p:cSld>
     <p:spTree>
@@ -14232,8 +13542,8 @@
         </p:blipFill>
         <p:spPr>
           <a:xfrm>
-            <a:off x="5136550" y="1066801"/>
-            <a:ext cx="6141655" cy="5476974"/>
+            <a:off x="6672942" y="1732449"/>
+            <a:ext cx="4294975" cy="3830151"/>
           </a:xfrm>
           <a:prstGeom prst="rect">
             <a:avLst/>
@@ -14263,11 +13573,15 @@
           </a:xfrm>
         </p:spPr>
         <p:txBody>
-          <a:bodyPr/>
+          <a:bodyPr>
+            <a:normAutofit/>
+          </a:bodyPr>
           <a:lstStyle/>
           <a:p>
             <a:r>
-              <a:rPr lang="en-US" dirty="0"/>
+              <a:rPr lang="en-US" sz="2400" dirty="0">
+                <a:latin typeface="Georgia" panose="02040502050405020303" pitchFamily="18" charset="0"/>
+              </a:rPr>
               <a:t>88% of High-Risk Cases Caught</a:t>
             </a:r>
           </a:p>
@@ -14275,11 +13589,15 @@
             <a:pPr marL="36900" indent="0">
               <a:buNone/>
             </a:pPr>
-            <a:endParaRPr lang="en-US" dirty="0"/>
-          </a:p>
-          <a:p>
-            <a:r>
-              <a:rPr lang="en-US" dirty="0"/>
+            <a:endParaRPr lang="en-US" sz="2400" dirty="0">
+              <a:latin typeface="Georgia" panose="02040502050405020303" pitchFamily="18" charset="0"/>
+            </a:endParaRPr>
+          </a:p>
+          <a:p>
+            <a:r>
+              <a:rPr lang="en-US" sz="2400" dirty="0">
+                <a:latin typeface="Georgia" panose="02040502050405020303" pitchFamily="18" charset="0"/>
+              </a:rPr>
               <a:t>Only 49% of Low-Risk</a:t>
             </a:r>
           </a:p>
@@ -14289,6 +13607,166 @@
     <p:extLst>
       <p:ext uri="{BB962C8B-B14F-4D97-AF65-F5344CB8AC3E}">
         <p14:creationId xmlns:p14="http://schemas.microsoft.com/office/powerpoint/2010/main" val="2410340259"/>
+      </p:ext>
+    </p:extLst>
+  </p:cSld>
+  <p:clrMapOvr>
+    <a:masterClrMapping/>
+  </p:clrMapOvr>
+</p:sld>
+</file>
+
+<file path=ppt/slides/slide9.xml><?xml version="1.0" encoding="utf-8"?>
+<p:sld xmlns:a="http://schemas.openxmlformats.org/drawingml/2006/main" xmlns:r="http://schemas.openxmlformats.org/officeDocument/2006/relationships" xmlns:p="http://schemas.openxmlformats.org/presentationml/2006/main">
+  <p:cSld>
+    <p:spTree>
+      <p:nvGrpSpPr>
+        <p:cNvPr id="1" name=""/>
+        <p:cNvGrpSpPr/>
+        <p:nvPr/>
+      </p:nvGrpSpPr>
+      <p:grpSpPr>
+        <a:xfrm>
+          <a:off x="0" y="0"/>
+          <a:ext cx="0" cy="0"/>
+          <a:chOff x="0" y="0"/>
+          <a:chExt cx="0" cy="0"/>
+        </a:xfrm>
+      </p:grpSpPr>
+      <p:sp>
+        <p:nvSpPr>
+          <p:cNvPr id="2" name="Title 1">
+            <a:extLst>
+              <a:ext uri="{FF2B5EF4-FFF2-40B4-BE49-F238E27FC236}">
+                <a16:creationId xmlns:a16="http://schemas.microsoft.com/office/drawing/2014/main" id="{53857D42-F061-4EA3-A563-C6A3235CF515}"/>
+              </a:ext>
+            </a:extLst>
+          </p:cNvPr>
+          <p:cNvSpPr>
+            <a:spLocks noGrp="1"/>
+          </p:cNvSpPr>
+          <p:nvPr>
+            <p:ph type="title"/>
+          </p:nvPr>
+        </p:nvSpPr>
+        <p:spPr>
+          <a:xfrm>
+            <a:off x="924443" y="329163"/>
+            <a:ext cx="10353762" cy="970450"/>
+          </a:xfrm>
+        </p:spPr>
+        <p:txBody>
+          <a:bodyPr>
+            <a:normAutofit/>
+          </a:bodyPr>
+          <a:lstStyle/>
+          <a:p>
+            <a:r>
+              <a:rPr lang="en-US" sz="1800" dirty="0">
+                <a:latin typeface="Georgia" panose="02040502050405020303" pitchFamily="18" charset="0"/>
+              </a:rPr>
+              <a:t>Misclassified Images</a:t>
+            </a:r>
+          </a:p>
+        </p:txBody>
+      </p:sp>
+      <p:sp>
+        <p:nvSpPr>
+          <p:cNvPr id="4" name="Content Placeholder 3">
+            <a:extLst>
+              <a:ext uri="{FF2B5EF4-FFF2-40B4-BE49-F238E27FC236}">
+                <a16:creationId xmlns:a16="http://schemas.microsoft.com/office/drawing/2014/main" id="{6DF74BD5-B1E5-F7D3-FE05-1A677F6CEFCD}"/>
+              </a:ext>
+            </a:extLst>
+          </p:cNvPr>
+          <p:cNvSpPr>
+            <a:spLocks noGrp="1"/>
+          </p:cNvSpPr>
+          <p:nvPr>
+            <p:ph idx="1"/>
+          </p:nvPr>
+        </p:nvSpPr>
+        <p:spPr>
+          <a:xfrm>
+            <a:off x="913795" y="1732449"/>
+            <a:ext cx="4275722" cy="4058751"/>
+          </a:xfrm>
+        </p:spPr>
+        <p:txBody>
+          <a:bodyPr>
+            <a:normAutofit/>
+          </a:bodyPr>
+          <a:lstStyle/>
+          <a:p>
+            <a:r>
+              <a:rPr lang="en-US" sz="2400" dirty="0">
+                <a:latin typeface="Georgia" panose="02040502050405020303" pitchFamily="18" charset="0"/>
+              </a:rPr>
+              <a:t>More Data</a:t>
+            </a:r>
+          </a:p>
+          <a:p>
+            <a:endParaRPr lang="en-US" sz="2400" dirty="0">
+              <a:latin typeface="Georgia" panose="02040502050405020303" pitchFamily="18" charset="0"/>
+            </a:endParaRPr>
+          </a:p>
+          <a:p>
+            <a:r>
+              <a:rPr lang="en-US" sz="2400" dirty="0">
+                <a:latin typeface="Georgia" panose="02040502050405020303" pitchFamily="18" charset="0"/>
+              </a:rPr>
+              <a:t>Combining Healthy and Low-Risk </a:t>
+            </a:r>
+          </a:p>
+          <a:p>
+            <a:endParaRPr lang="en-US" sz="2400" dirty="0">
+              <a:latin typeface="Georgia" panose="02040502050405020303" pitchFamily="18" charset="0"/>
+            </a:endParaRPr>
+          </a:p>
+          <a:p>
+            <a:r>
+              <a:rPr lang="en-US" sz="2400" dirty="0">
+                <a:latin typeface="Georgia" panose="02040502050405020303" pitchFamily="18" charset="0"/>
+              </a:rPr>
+              <a:t>Clustering Low-Risk Images</a:t>
+            </a:r>
+          </a:p>
+        </p:txBody>
+      </p:sp>
+      <p:pic>
+        <p:nvPicPr>
+          <p:cNvPr id="6" name="Picture 5" descr="X-ray images of knee joint&#10;&#10;Description automatically generated">
+            <a:extLst>
+              <a:ext uri="{FF2B5EF4-FFF2-40B4-BE49-F238E27FC236}">
+                <a16:creationId xmlns:a16="http://schemas.microsoft.com/office/drawing/2014/main" id="{05F44410-6AB8-D8C9-72E2-5CE775336248}"/>
+              </a:ext>
+            </a:extLst>
+          </p:cNvPr>
+          <p:cNvPicPr>
+            <a:picLocks noChangeAspect="1"/>
+          </p:cNvPicPr>
+          <p:nvPr/>
+        </p:nvPicPr>
+        <p:blipFill>
+          <a:blip r:embed="rId3"/>
+          <a:stretch>
+            <a:fillRect/>
+          </a:stretch>
+        </p:blipFill>
+        <p:spPr>
+          <a:xfrm>
+            <a:off x="5189517" y="1732449"/>
+            <a:ext cx="6088688" cy="4311163"/>
+          </a:xfrm>
+          <a:prstGeom prst="rect">
+            <a:avLst/>
+          </a:prstGeom>
+        </p:spPr>
+      </p:pic>
+    </p:spTree>
+    <p:extLst>
+      <p:ext uri="{BB962C8B-B14F-4D97-AF65-F5344CB8AC3E}">
+        <p14:creationId xmlns:p14="http://schemas.microsoft.com/office/powerpoint/2010/main" val="717417787"/>
       </p:ext>
     </p:extLst>
   </p:cSld>
